--- a/4.SPM model/visualization.pptx
+++ b/4.SPM model/visualization.pptx
@@ -11,7 +11,11 @@
     <p:sldId id="266" r:id="rId5"/>
     <p:sldId id="268" r:id="rId6"/>
     <p:sldId id="269" r:id="rId7"/>
-    <p:sldId id="267" r:id="rId8"/>
+    <p:sldId id="270" r:id="rId8"/>
+    <p:sldId id="271" r:id="rId9"/>
+    <p:sldId id="272" r:id="rId10"/>
+    <p:sldId id="273" r:id="rId11"/>
+    <p:sldId id="267" r:id="rId12"/>
   </p:sldIdLst>
   <p:sldSz cx="12192000" cy="6858000"/>
   <p:notesSz cx="6858000" cy="9144000"/>
@@ -267,7 +271,7 @@
           <a:p>
             <a:fld id="{0CEF4201-97BF-4D00-A87A-E766F7DE1D9A}" type="datetimeFigureOut">
               <a:rPr lang="en-US" smtClean="0"/>
-              <a:t>9/19/2024</a:t>
+              <a:t>9/20/2024</a:t>
             </a:fld>
             <a:endParaRPr lang="en-US"/>
           </a:p>
@@ -467,7 +471,7 @@
           <a:p>
             <a:fld id="{0CEF4201-97BF-4D00-A87A-E766F7DE1D9A}" type="datetimeFigureOut">
               <a:rPr lang="en-US" smtClean="0"/>
-              <a:t>9/19/2024</a:t>
+              <a:t>9/20/2024</a:t>
             </a:fld>
             <a:endParaRPr lang="en-US"/>
           </a:p>
@@ -677,7 +681,7 @@
           <a:p>
             <a:fld id="{0CEF4201-97BF-4D00-A87A-E766F7DE1D9A}" type="datetimeFigureOut">
               <a:rPr lang="en-US" smtClean="0"/>
-              <a:t>9/19/2024</a:t>
+              <a:t>9/20/2024</a:t>
             </a:fld>
             <a:endParaRPr lang="en-US"/>
           </a:p>
@@ -877,7 +881,7 @@
           <a:p>
             <a:fld id="{0CEF4201-97BF-4D00-A87A-E766F7DE1D9A}" type="datetimeFigureOut">
               <a:rPr lang="en-US" smtClean="0"/>
-              <a:t>9/19/2024</a:t>
+              <a:t>9/20/2024</a:t>
             </a:fld>
             <a:endParaRPr lang="en-US"/>
           </a:p>
@@ -1153,7 +1157,7 @@
           <a:p>
             <a:fld id="{0CEF4201-97BF-4D00-A87A-E766F7DE1D9A}" type="datetimeFigureOut">
               <a:rPr lang="en-US" smtClean="0"/>
-              <a:t>9/19/2024</a:t>
+              <a:t>9/20/2024</a:t>
             </a:fld>
             <a:endParaRPr lang="en-US"/>
           </a:p>
@@ -1421,7 +1425,7 @@
           <a:p>
             <a:fld id="{0CEF4201-97BF-4D00-A87A-E766F7DE1D9A}" type="datetimeFigureOut">
               <a:rPr lang="en-US" smtClean="0"/>
-              <a:t>9/19/2024</a:t>
+              <a:t>9/20/2024</a:t>
             </a:fld>
             <a:endParaRPr lang="en-US"/>
           </a:p>
@@ -1836,7 +1840,7 @@
           <a:p>
             <a:fld id="{0CEF4201-97BF-4D00-A87A-E766F7DE1D9A}" type="datetimeFigureOut">
               <a:rPr lang="en-US" smtClean="0"/>
-              <a:t>9/19/2024</a:t>
+              <a:t>9/20/2024</a:t>
             </a:fld>
             <a:endParaRPr lang="en-US"/>
           </a:p>
@@ -1978,7 +1982,7 @@
           <a:p>
             <a:fld id="{0CEF4201-97BF-4D00-A87A-E766F7DE1D9A}" type="datetimeFigureOut">
               <a:rPr lang="en-US" smtClean="0"/>
-              <a:t>9/19/2024</a:t>
+              <a:t>9/20/2024</a:t>
             </a:fld>
             <a:endParaRPr lang="en-US"/>
           </a:p>
@@ -2091,7 +2095,7 @@
           <a:p>
             <a:fld id="{0CEF4201-97BF-4D00-A87A-E766F7DE1D9A}" type="datetimeFigureOut">
               <a:rPr lang="en-US" smtClean="0"/>
-              <a:t>9/19/2024</a:t>
+              <a:t>9/20/2024</a:t>
             </a:fld>
             <a:endParaRPr lang="en-US"/>
           </a:p>
@@ -2404,7 +2408,7 @@
           <a:p>
             <a:fld id="{0CEF4201-97BF-4D00-A87A-E766F7DE1D9A}" type="datetimeFigureOut">
               <a:rPr lang="en-US" smtClean="0"/>
-              <a:t>9/19/2024</a:t>
+              <a:t>9/20/2024</a:t>
             </a:fld>
             <a:endParaRPr lang="en-US"/>
           </a:p>
@@ -2693,7 +2697,7 @@
           <a:p>
             <a:fld id="{0CEF4201-97BF-4D00-A87A-E766F7DE1D9A}" type="datetimeFigureOut">
               <a:rPr lang="en-US" smtClean="0"/>
-              <a:t>9/19/2024</a:t>
+              <a:t>9/20/2024</a:t>
             </a:fld>
             <a:endParaRPr lang="en-US"/>
           </a:p>
@@ -2936,7 +2940,7 @@
           <a:p>
             <a:fld id="{0CEF4201-97BF-4D00-A87A-E766F7DE1D9A}" type="datetimeFigureOut">
               <a:rPr lang="en-US" smtClean="0"/>
-              <a:t>9/19/2024</a:t>
+              <a:t>9/20/2024</a:t>
             </a:fld>
             <a:endParaRPr lang="en-US"/>
           </a:p>
@@ -4034,6 +4038,173 @@
 </p:sld>
 </file>
 
+<file path=ppt/slides/slide10.xml><?xml version="1.0" encoding="utf-8"?>
+<p:sld xmlns:a="http://schemas.openxmlformats.org/drawingml/2006/main" xmlns:r="http://schemas.openxmlformats.org/officeDocument/2006/relationships" xmlns:p="http://schemas.openxmlformats.org/presentationml/2006/main">
+  <p:cSld>
+    <p:spTree>
+      <p:nvGrpSpPr>
+        <p:cNvPr id="1" name=""/>
+        <p:cNvGrpSpPr/>
+        <p:nvPr/>
+      </p:nvGrpSpPr>
+      <p:grpSpPr>
+        <a:xfrm>
+          <a:off x="0" y="0"/>
+          <a:ext cx="0" cy="0"/>
+          <a:chOff x="0" y="0"/>
+          <a:chExt cx="0" cy="0"/>
+        </a:xfrm>
+      </p:grpSpPr>
+      <p:sp>
+        <p:nvSpPr>
+          <p:cNvPr id="2" name="CaixaDeTexto 1">
+            <a:extLst>
+              <a:ext uri="{FF2B5EF4-FFF2-40B4-BE49-F238E27FC236}">
+                <a16:creationId xmlns:a16="http://schemas.microsoft.com/office/drawing/2014/main" id="{F5D4CC5A-C0D6-DE89-5159-FB6BB424FCF9}"/>
+              </a:ext>
+            </a:extLst>
+          </p:cNvPr>
+          <p:cNvSpPr txBox="1"/>
+          <p:nvPr/>
+        </p:nvSpPr>
+        <p:spPr>
+          <a:xfrm>
+            <a:off x="970670" y="323557"/>
+            <a:ext cx="2869809" cy="646331"/>
+          </a:xfrm>
+          <a:prstGeom prst="rect">
+            <a:avLst/>
+          </a:prstGeom>
+          <a:noFill/>
+        </p:spPr>
+        <p:txBody>
+          <a:bodyPr wrap="square" rtlCol="0">
+            <a:spAutoFit/>
+          </a:bodyPr>
+          <a:lstStyle/>
+          <a:p>
+            <a:r>
+              <a:rPr lang="pt-BR" dirty="0"/>
+              <a:t>Inserir modelo </a:t>
+            </a:r>
+            <a:r>
+              <a:rPr lang="pt-BR" dirty="0" err="1"/>
+              <a:t>Nechad</a:t>
+            </a:r>
+            <a:r>
+              <a:rPr lang="pt-BR" dirty="0"/>
+              <a:t> e outros necessários</a:t>
+            </a:r>
+            <a:endParaRPr lang="en-US" dirty="0"/>
+          </a:p>
+        </p:txBody>
+      </p:sp>
+    </p:spTree>
+    <p:extLst>
+      <p:ext uri="{BB962C8B-B14F-4D97-AF65-F5344CB8AC3E}">
+        <p14:creationId xmlns:p14="http://schemas.microsoft.com/office/powerpoint/2010/main" val="2183041184"/>
+      </p:ext>
+    </p:extLst>
+  </p:cSld>
+  <p:clrMapOvr>
+    <a:masterClrMapping/>
+  </p:clrMapOvr>
+</p:sld>
+</file>
+
+<file path=ppt/slides/slide11.xml><?xml version="1.0" encoding="utf-8"?>
+<p:sld xmlns:a="http://schemas.openxmlformats.org/drawingml/2006/main" xmlns:r="http://schemas.openxmlformats.org/officeDocument/2006/relationships" xmlns:p="http://schemas.openxmlformats.org/presentationml/2006/main">
+  <p:cSld>
+    <p:spTree>
+      <p:nvGrpSpPr>
+        <p:cNvPr id="1" name=""/>
+        <p:cNvGrpSpPr/>
+        <p:nvPr/>
+      </p:nvGrpSpPr>
+      <p:grpSpPr>
+        <a:xfrm>
+          <a:off x="0" y="0"/>
+          <a:ext cx="0" cy="0"/>
+          <a:chOff x="0" y="0"/>
+          <a:chExt cx="0" cy="0"/>
+        </a:xfrm>
+      </p:grpSpPr>
+      <p:sp>
+        <p:nvSpPr>
+          <p:cNvPr id="2" name="CaixaDeTexto 1">
+            <a:extLst>
+              <a:ext uri="{FF2B5EF4-FFF2-40B4-BE49-F238E27FC236}">
+                <a16:creationId xmlns:a16="http://schemas.microsoft.com/office/drawing/2014/main" id="{82F171F7-83EC-B6FC-B2AC-7A9C952CC4D7}"/>
+              </a:ext>
+            </a:extLst>
+          </p:cNvPr>
+          <p:cNvSpPr txBox="1"/>
+          <p:nvPr/>
+        </p:nvSpPr>
+        <p:spPr>
+          <a:xfrm>
+            <a:off x="452283" y="1081549"/>
+            <a:ext cx="11287433" cy="646331"/>
+          </a:xfrm>
+          <a:prstGeom prst="rect">
+            <a:avLst/>
+          </a:prstGeom>
+          <a:noFill/>
+        </p:spPr>
+        <p:txBody>
+          <a:bodyPr wrap="square" rtlCol="0">
+            <a:spAutoFit/>
+          </a:bodyPr>
+          <a:lstStyle/>
+          <a:p>
+            <a:r>
+              <a:rPr lang="pt-BR" dirty="0" err="1"/>
+              <a:t>Github</a:t>
+            </a:r>
+            <a:r>
+              <a:rPr lang="pt-BR" dirty="0"/>
+              <a:t> links </a:t>
+            </a:r>
+            <a:r>
+              <a:rPr lang="pt-BR" dirty="0" err="1"/>
+              <a:t>to</a:t>
+            </a:r>
+            <a:r>
+              <a:rPr lang="pt-BR" dirty="0"/>
+              <a:t> </a:t>
+            </a:r>
+            <a:r>
+              <a:rPr lang="pt-BR" dirty="0" err="1"/>
+              <a:t>view</a:t>
+            </a:r>
+            <a:r>
+              <a:rPr lang="pt-BR" dirty="0"/>
+              <a:t> more data:</a:t>
+            </a:r>
+            <a:br>
+              <a:rPr lang="pt-BR" dirty="0"/>
+            </a:br>
+            <a:r>
+              <a:rPr lang="pt-BR" dirty="0"/>
+              <a:t>https://github.com/larissavaladao/py6s_harmonize_sample/</a:t>
+            </a:r>
+            <a:endParaRPr lang="en-US" dirty="0"/>
+          </a:p>
+        </p:txBody>
+      </p:sp>
+    </p:spTree>
+    <p:extLst>
+      <p:ext uri="{BB962C8B-B14F-4D97-AF65-F5344CB8AC3E}">
+        <p14:creationId xmlns:p14="http://schemas.microsoft.com/office/powerpoint/2010/main" val="1900701455"/>
+      </p:ext>
+    </p:extLst>
+  </p:cSld>
+  <p:clrMapOvr>
+    <a:masterClrMapping/>
+  </p:clrMapOvr>
+</p:sld>
+</file>
+
 <file path=ppt/slides/slide2.xml><?xml version="1.0" encoding="utf-8"?>
 <p:sld xmlns:a="http://schemas.openxmlformats.org/drawingml/2006/main" xmlns:r="http://schemas.openxmlformats.org/officeDocument/2006/relationships" xmlns:p="http://schemas.openxmlformats.org/presentationml/2006/main">
   <p:cSld>
@@ -6176,6 +6347,213 @@
           </a:prstGeom>
         </p:spPr>
       </p:pic>
+      <p:sp>
+        <p:nvSpPr>
+          <p:cNvPr id="3" name="CaixaDeTexto 2">
+            <a:extLst>
+              <a:ext uri="{FF2B5EF4-FFF2-40B4-BE49-F238E27FC236}">
+                <a16:creationId xmlns:a16="http://schemas.microsoft.com/office/drawing/2014/main" id="{72B98CBB-80F4-9E68-0626-EBB98A02C0C0}"/>
+              </a:ext>
+            </a:extLst>
+          </p:cNvPr>
+          <p:cNvSpPr txBox="1"/>
+          <p:nvPr/>
+        </p:nvSpPr>
+        <p:spPr>
+          <a:xfrm>
+            <a:off x="8098280" y="1145601"/>
+            <a:ext cx="4100050" cy="646331"/>
+          </a:xfrm>
+          <a:prstGeom prst="rect">
+            <a:avLst/>
+          </a:prstGeom>
+          <a:solidFill>
+            <a:schemeClr val="bg1"/>
+          </a:solidFill>
+        </p:spPr>
+        <p:txBody>
+          <a:bodyPr wrap="square">
+            <a:spAutoFit/>
+          </a:bodyPr>
+          <a:lstStyle/>
+          <a:p>
+            <a:r>
+              <a:rPr lang="en-US" sz="1200" dirty="0"/>
+              <a:t>CV Metrics:{'r2': 0.6868549637009771, '</a:t>
+            </a:r>
+            <a:r>
+              <a:rPr lang="en-US" sz="1200" dirty="0" err="1"/>
+              <a:t>mae</a:t>
+            </a:r>
+            <a:r>
+              <a:rPr lang="en-US" sz="1200" dirty="0"/>
+              <a:t>': 28.55208919404135, '</a:t>
+            </a:r>
+            <a:r>
+              <a:rPr lang="en-US" sz="1200" dirty="0" err="1"/>
+              <a:t>mse</a:t>
+            </a:r>
+            <a:r>
+              <a:rPr lang="en-US" sz="1200" dirty="0"/>
+              <a:t>': 1941.1954995246676, '</a:t>
+            </a:r>
+            <a:r>
+              <a:rPr lang="en-US" sz="1200" dirty="0" err="1"/>
+              <a:t>mape</a:t>
+            </a:r>
+            <a:r>
+              <a:rPr lang="en-US" sz="1200" dirty="0"/>
+              <a:t>': 0.86239106915262, '</a:t>
+            </a:r>
+            <a:r>
+              <a:rPr lang="en-US" sz="1200" dirty="0" err="1"/>
+              <a:t>exp_var</a:t>
+            </a:r>
+            <a:r>
+              <a:rPr lang="en-US" sz="1200" dirty="0"/>
+              <a:t>': 0.6949382278716765}</a:t>
+            </a:r>
+          </a:p>
+        </p:txBody>
+      </p:sp>
+      <p:sp>
+        <p:nvSpPr>
+          <p:cNvPr id="7" name="CaixaDeTexto 6">
+            <a:extLst>
+              <a:ext uri="{FF2B5EF4-FFF2-40B4-BE49-F238E27FC236}">
+                <a16:creationId xmlns:a16="http://schemas.microsoft.com/office/drawing/2014/main" id="{DDA4A7A9-334F-2C42-BAE7-F1339E642689}"/>
+              </a:ext>
+            </a:extLst>
+          </p:cNvPr>
+          <p:cNvSpPr txBox="1"/>
+          <p:nvPr/>
+        </p:nvSpPr>
+        <p:spPr>
+          <a:xfrm>
+            <a:off x="4102481" y="1078925"/>
+            <a:ext cx="4103951" cy="646331"/>
+          </a:xfrm>
+          <a:prstGeom prst="rect">
+            <a:avLst/>
+          </a:prstGeom>
+          <a:solidFill>
+            <a:schemeClr val="bg1"/>
+          </a:solidFill>
+        </p:spPr>
+        <p:txBody>
+          <a:bodyPr wrap="square">
+            <a:spAutoFit/>
+          </a:bodyPr>
+          <a:lstStyle/>
+          <a:p>
+            <a:r>
+              <a:rPr lang="en-US" sz="1200" dirty="0"/>
+              <a:t>CV Metrics:{'r2': 0.6653793185224794, '</a:t>
+            </a:r>
+            <a:r>
+              <a:rPr lang="en-US" sz="1200" dirty="0" err="1"/>
+              <a:t>mae</a:t>
+            </a:r>
+            <a:r>
+              <a:rPr lang="en-US" sz="1200" dirty="0"/>
+              <a:t>': 25.027625604567344, '</a:t>
+            </a:r>
+            <a:r>
+              <a:rPr lang="en-US" sz="1200" dirty="0" err="1"/>
+              <a:t>mse</a:t>
+            </a:r>
+            <a:r>
+              <a:rPr lang="en-US" sz="1200" dirty="0"/>
+              <a:t>': 1915.711839000988, '</a:t>
+            </a:r>
+            <a:r>
+              <a:rPr lang="en-US" sz="1200" dirty="0" err="1"/>
+              <a:t>mape</a:t>
+            </a:r>
+            <a:r>
+              <a:rPr lang="en-US" sz="1200" dirty="0"/>
+              <a:t>': 0.5360761898233042, '</a:t>
+            </a:r>
+            <a:r>
+              <a:rPr lang="en-US" sz="1200" dirty="0" err="1"/>
+              <a:t>exp_var</a:t>
+            </a:r>
+            <a:r>
+              <a:rPr lang="en-US" sz="1200" dirty="0"/>
+              <a:t>': 0.6705767878863748}</a:t>
+            </a:r>
+          </a:p>
+        </p:txBody>
+      </p:sp>
+      <p:sp>
+        <p:nvSpPr>
+          <p:cNvPr id="9" name="CaixaDeTexto 8">
+            <a:extLst>
+              <a:ext uri="{FF2B5EF4-FFF2-40B4-BE49-F238E27FC236}">
+                <a16:creationId xmlns:a16="http://schemas.microsoft.com/office/drawing/2014/main" id="{211973AB-8E74-137B-35F1-7934863816E0}"/>
+              </a:ext>
+            </a:extLst>
+          </p:cNvPr>
+          <p:cNvSpPr txBox="1"/>
+          <p:nvPr/>
+        </p:nvSpPr>
+        <p:spPr>
+          <a:xfrm>
+            <a:off x="56112" y="988018"/>
+            <a:ext cx="3795252" cy="830997"/>
+          </a:xfrm>
+          <a:prstGeom prst="rect">
+            <a:avLst/>
+          </a:prstGeom>
+          <a:solidFill>
+            <a:schemeClr val="bg1"/>
+          </a:solidFill>
+        </p:spPr>
+        <p:txBody>
+          <a:bodyPr wrap="square">
+            <a:spAutoFit/>
+          </a:bodyPr>
+          <a:lstStyle/>
+          <a:p>
+            <a:r>
+              <a:rPr lang="en-US" sz="1200" dirty="0"/>
+              <a:t>CV Metrics:{'r2': 0.7275004892139136, '</a:t>
+            </a:r>
+            <a:r>
+              <a:rPr lang="en-US" sz="1200" dirty="0" err="1"/>
+              <a:t>mae</a:t>
+            </a:r>
+            <a:r>
+              <a:rPr lang="en-US" sz="1200" dirty="0"/>
+              <a:t>': 24.756053348276176, '</a:t>
+            </a:r>
+            <a:r>
+              <a:rPr lang="en-US" sz="1200" dirty="0" err="1"/>
+              <a:t>mse</a:t>
+            </a:r>
+            <a:r>
+              <a:rPr lang="en-US" sz="1200" dirty="0"/>
+              <a:t>': 1582.4350502615684, '</a:t>
+            </a:r>
+            <a:r>
+              <a:rPr lang="en-US" sz="1200" dirty="0" err="1"/>
+              <a:t>mape</a:t>
+            </a:r>
+            <a:r>
+              <a:rPr lang="en-US" sz="1200" dirty="0"/>
+              <a:t>': 0.8235208096180718, '</a:t>
+            </a:r>
+            <a:r>
+              <a:rPr lang="en-US" sz="1200" dirty="0" err="1"/>
+              <a:t>exp_var</a:t>
+            </a:r>
+            <a:r>
+              <a:rPr lang="en-US" sz="1200" dirty="0"/>
+              <a:t>': 0.7288761188754188}</a:t>
+            </a:r>
+          </a:p>
+        </p:txBody>
+      </p:sp>
     </p:spTree>
     <p:extLst>
       <p:ext uri="{BB962C8B-B14F-4D97-AF65-F5344CB8AC3E}">
@@ -6186,6 +6564,140 @@
   <p:clrMapOvr>
     <a:masterClrMapping/>
   </p:clrMapOvr>
+  <p:timing>
+    <p:tnLst>
+      <p:par>
+        <p:cTn id="1" dur="indefinite" restart="never" nodeType="tmRoot">
+          <p:childTnLst>
+            <p:seq concurrent="1" nextAc="seek">
+              <p:cTn id="2" dur="indefinite" nodeType="mainSeq">
+                <p:childTnLst>
+                  <p:par>
+                    <p:cTn id="3" fill="hold">
+                      <p:stCondLst>
+                        <p:cond delay="indefinite"/>
+                      </p:stCondLst>
+                      <p:childTnLst>
+                        <p:par>
+                          <p:cTn id="4" fill="hold">
+                            <p:stCondLst>
+                              <p:cond delay="0"/>
+                            </p:stCondLst>
+                            <p:childTnLst>
+                              <p:par>
+                                <p:cTn id="5" presetID="1" presetClass="entr" presetSubtype="0" fill="hold" grpId="0" nodeType="clickEffect">
+                                  <p:stCondLst>
+                                    <p:cond delay="0"/>
+                                  </p:stCondLst>
+                                  <p:childTnLst>
+                                    <p:set>
+                                      <p:cBhvr>
+                                        <p:cTn id="6" dur="1" fill="hold">
+                                          <p:stCondLst>
+                                            <p:cond delay="0"/>
+                                          </p:stCondLst>
+                                        </p:cTn>
+                                        <p:tgtEl>
+                                          <p:spTgt spid="9"/>
+                                        </p:tgtEl>
+                                        <p:attrNameLst>
+                                          <p:attrName>style.visibility</p:attrName>
+                                        </p:attrNameLst>
+                                      </p:cBhvr>
+                                      <p:to>
+                                        <p:strVal val="visible"/>
+                                      </p:to>
+                                    </p:set>
+                                  </p:childTnLst>
+                                </p:cTn>
+                              </p:par>
+                              <p:par>
+                                <p:cTn id="7" presetID="1" presetClass="entr" presetSubtype="0" fill="hold" grpId="0" nodeType="withEffect">
+                                  <p:stCondLst>
+                                    <p:cond delay="0"/>
+                                  </p:stCondLst>
+                                  <p:childTnLst>
+                                    <p:set>
+                                      <p:cBhvr>
+                                        <p:cTn id="8" dur="1" fill="hold">
+                                          <p:stCondLst>
+                                            <p:cond delay="0"/>
+                                          </p:stCondLst>
+                                        </p:cTn>
+                                        <p:tgtEl>
+                                          <p:spTgt spid="7"/>
+                                        </p:tgtEl>
+                                        <p:attrNameLst>
+                                          <p:attrName>style.visibility</p:attrName>
+                                        </p:attrNameLst>
+                                      </p:cBhvr>
+                                      <p:to>
+                                        <p:strVal val="visible"/>
+                                      </p:to>
+                                    </p:set>
+                                  </p:childTnLst>
+                                </p:cTn>
+                              </p:par>
+                              <p:par>
+                                <p:cTn id="9" presetID="1" presetClass="entr" presetSubtype="0" fill="hold" grpId="0" nodeType="withEffect">
+                                  <p:stCondLst>
+                                    <p:cond delay="0"/>
+                                  </p:stCondLst>
+                                  <p:childTnLst>
+                                    <p:set>
+                                      <p:cBhvr>
+                                        <p:cTn id="10" dur="1" fill="hold">
+                                          <p:stCondLst>
+                                            <p:cond delay="0"/>
+                                          </p:stCondLst>
+                                        </p:cTn>
+                                        <p:tgtEl>
+                                          <p:spTgt spid="3"/>
+                                        </p:tgtEl>
+                                        <p:attrNameLst>
+                                          <p:attrName>style.visibility</p:attrName>
+                                        </p:attrNameLst>
+                                      </p:cBhvr>
+                                      <p:to>
+                                        <p:strVal val="visible"/>
+                                      </p:to>
+                                    </p:set>
+                                  </p:childTnLst>
+                                </p:cTn>
+                              </p:par>
+                            </p:childTnLst>
+                          </p:cTn>
+                        </p:par>
+                      </p:childTnLst>
+                    </p:cTn>
+                  </p:par>
+                </p:childTnLst>
+              </p:cTn>
+              <p:prevCondLst>
+                <p:cond evt="onPrev" delay="0">
+                  <p:tgtEl>
+                    <p:sldTgt/>
+                  </p:tgtEl>
+                </p:cond>
+              </p:prevCondLst>
+              <p:nextCondLst>
+                <p:cond evt="onNext" delay="0">
+                  <p:tgtEl>
+                    <p:sldTgt/>
+                  </p:tgtEl>
+                </p:cond>
+              </p:nextCondLst>
+            </p:seq>
+          </p:childTnLst>
+        </p:cTn>
+      </p:par>
+    </p:tnLst>
+    <p:bldLst>
+      <p:bldP spid="3" grpId="0" animBg="1"/>
+      <p:bldP spid="7" grpId="0" animBg="1"/>
+      <p:bldP spid="9" grpId="0" animBg="1"/>
+    </p:bldLst>
+  </p:timing>
 </p:sld>
 </file>
 
@@ -6206,12 +6718,42 @@
           <a:chExt cx="0" cy="0"/>
         </a:xfrm>
       </p:grpSpPr>
-      <p:sp>
-        <p:nvSpPr>
-          <p:cNvPr id="4" name="CaixaDeTexto 3">
-            <a:extLst>
-              <a:ext uri="{FF2B5EF4-FFF2-40B4-BE49-F238E27FC236}">
-                <a16:creationId xmlns:a16="http://schemas.microsoft.com/office/drawing/2014/main" id="{89630225-779D-013C-26AA-7D8D62B7410C}"/>
+      <p:pic>
+        <p:nvPicPr>
+          <p:cNvPr id="7" name="Imagem 6">
+            <a:extLst>
+              <a:ext uri="{FF2B5EF4-FFF2-40B4-BE49-F238E27FC236}">
+                <a16:creationId xmlns:a16="http://schemas.microsoft.com/office/drawing/2014/main" id="{8111802E-8E44-1F19-A595-5C422E394E17}"/>
+              </a:ext>
+            </a:extLst>
+          </p:cNvPr>
+          <p:cNvPicPr>
+            <a:picLocks noChangeAspect="1"/>
+          </p:cNvPicPr>
+          <p:nvPr/>
+        </p:nvPicPr>
+        <p:blipFill>
+          <a:blip r:embed="rId2"/>
+          <a:stretch>
+            <a:fillRect/>
+          </a:stretch>
+        </p:blipFill>
+        <p:spPr>
+          <a:xfrm>
+            <a:off x="167020" y="170621"/>
+            <a:ext cx="6286500" cy="4114800"/>
+          </a:xfrm>
+          <a:prstGeom prst="rect">
+            <a:avLst/>
+          </a:prstGeom>
+        </p:spPr>
+      </p:pic>
+      <p:sp>
+        <p:nvSpPr>
+          <p:cNvPr id="2" name="CaixaDeTexto 1">
+            <a:extLst>
+              <a:ext uri="{FF2B5EF4-FFF2-40B4-BE49-F238E27FC236}">
+                <a16:creationId xmlns:a16="http://schemas.microsoft.com/office/drawing/2014/main" id="{DE959B43-415A-92C7-325D-368F11A5ABE8}"/>
               </a:ext>
             </a:extLst>
           </p:cNvPr>
@@ -6220,8 +6762,8 @@
         </p:nvSpPr>
         <p:spPr>
           <a:xfrm>
-            <a:off x="1750142" y="1081548"/>
-            <a:ext cx="1445342" cy="923330"/>
+            <a:off x="2562834" y="467833"/>
+            <a:ext cx="1190846" cy="369332"/>
           </a:xfrm>
           <a:prstGeom prst="rect">
             <a:avLst/>
@@ -6236,9 +6778,106 @@
           <a:p>
             <a:r>
               <a:rPr lang="pt-BR" dirty="0"/>
-              <a:t>Machine learning models </a:t>
+              <a:t>KRR</a:t>
             </a:r>
             <a:endParaRPr lang="en-US" dirty="0"/>
+          </a:p>
+        </p:txBody>
+      </p:sp>
+      <p:pic>
+        <p:nvPicPr>
+          <p:cNvPr id="5" name="Imagem 4">
+            <a:extLst>
+              <a:ext uri="{FF2B5EF4-FFF2-40B4-BE49-F238E27FC236}">
+                <a16:creationId xmlns:a16="http://schemas.microsoft.com/office/drawing/2014/main" id="{E6F2334A-C1F1-7079-59B0-64E3DCE4B86B}"/>
+              </a:ext>
+            </a:extLst>
+          </p:cNvPr>
+          <p:cNvPicPr>
+            <a:picLocks noChangeAspect="1"/>
+          </p:cNvPicPr>
+          <p:nvPr/>
+        </p:nvPicPr>
+        <p:blipFill>
+          <a:blip r:embed="rId3"/>
+          <a:stretch>
+            <a:fillRect/>
+          </a:stretch>
+        </p:blipFill>
+        <p:spPr>
+          <a:xfrm>
+            <a:off x="0" y="4285421"/>
+            <a:ext cx="5125669" cy="2572579"/>
+          </a:xfrm>
+          <a:prstGeom prst="rect">
+            <a:avLst/>
+          </a:prstGeom>
+        </p:spPr>
+      </p:pic>
+      <p:sp>
+        <p:nvSpPr>
+          <p:cNvPr id="9" name="CaixaDeTexto 8">
+            <a:extLst>
+              <a:ext uri="{FF2B5EF4-FFF2-40B4-BE49-F238E27FC236}">
+                <a16:creationId xmlns:a16="http://schemas.microsoft.com/office/drawing/2014/main" id="{FC0340FC-F3A0-9B90-C29C-13783E296961}"/>
+              </a:ext>
+            </a:extLst>
+          </p:cNvPr>
+          <p:cNvSpPr txBox="1"/>
+          <p:nvPr/>
+        </p:nvSpPr>
+        <p:spPr>
+          <a:xfrm>
+            <a:off x="5470451" y="4648380"/>
+            <a:ext cx="6092456" cy="923330"/>
+          </a:xfrm>
+          <a:prstGeom prst="rect">
+            <a:avLst/>
+          </a:prstGeom>
+          <a:noFill/>
+        </p:spPr>
+        <p:txBody>
+          <a:bodyPr wrap="square">
+            <a:spAutoFit/>
+          </a:bodyPr>
+          <a:lstStyle/>
+          <a:p>
+            <a:r>
+              <a:rPr lang="en-US" dirty="0"/>
+              <a:t>CV Metrics:{'r2': 0.7309091479866278, '</a:t>
+            </a:r>
+            <a:r>
+              <a:rPr lang="en-US" dirty="0" err="1"/>
+              <a:t>mae</a:t>
+            </a:r>
+            <a:r>
+              <a:rPr lang="en-US" dirty="0"/>
+              <a:t>': 21.97078487403672, '</a:t>
+            </a:r>
+            <a:r>
+              <a:rPr lang="en-US" dirty="0" err="1"/>
+              <a:t>mse</a:t>
+            </a:r>
+            <a:r>
+              <a:rPr lang="en-US" dirty="0"/>
+              <a:t>': 1462.8693110733564, '</a:t>
+            </a:r>
+            <a:r>
+              <a:rPr lang="en-US" dirty="0" err="1"/>
+              <a:t>mape</a:t>
+            </a:r>
+            <a:r>
+              <a:rPr lang="en-US" dirty="0"/>
+              <a:t>': 0.44418840250309427, '</a:t>
+            </a:r>
+            <a:r>
+              <a:rPr lang="en-US" dirty="0" err="1"/>
+              <a:t>exp_var</a:t>
+            </a:r>
+            <a:r>
+              <a:rPr lang="en-US" dirty="0"/>
+              <a:t>': 0.7335229584071823}</a:t>
+            </a:r>
           </a:p>
         </p:txBody>
       </p:sp>
@@ -6274,10 +6913,10 @@
       </p:grpSpPr>
       <p:sp>
         <p:nvSpPr>
-          <p:cNvPr id="2" name="CaixaDeTexto 1">
-            <a:extLst>
-              <a:ext uri="{FF2B5EF4-FFF2-40B4-BE49-F238E27FC236}">
-                <a16:creationId xmlns:a16="http://schemas.microsoft.com/office/drawing/2014/main" id="{82F171F7-83EC-B6FC-B2AC-7A9C952CC4D7}"/>
+          <p:cNvPr id="3" name="CaixaDeTexto 2">
+            <a:extLst>
+              <a:ext uri="{FF2B5EF4-FFF2-40B4-BE49-F238E27FC236}">
+                <a16:creationId xmlns:a16="http://schemas.microsoft.com/office/drawing/2014/main" id="{77361761-CD2A-5DAB-9BC6-46D87FF7D035}"/>
               </a:ext>
             </a:extLst>
           </p:cNvPr>
@@ -6286,8 +6925,8 @@
         </p:nvSpPr>
         <p:spPr>
           <a:xfrm>
-            <a:off x="452283" y="1081549"/>
-            <a:ext cx="11287433" cy="646331"/>
+            <a:off x="6257260" y="378306"/>
+            <a:ext cx="6092456" cy="923330"/>
           </a:xfrm>
           <a:prstGeom prst="rect">
             <a:avLst/>
@@ -6295,52 +6934,212 @@
           <a:noFill/>
         </p:spPr>
         <p:txBody>
+          <a:bodyPr wrap="square">
+            <a:spAutoFit/>
+          </a:bodyPr>
+          <a:lstStyle/>
+          <a:p>
+            <a:r>
+              <a:rPr lang="en-US" dirty="0"/>
+              <a:t>CV Metrics:{'r2': 0.7185833542906258, '</a:t>
+            </a:r>
+            <a:r>
+              <a:rPr lang="en-US" dirty="0" err="1"/>
+              <a:t>mae</a:t>
+            </a:r>
+            <a:r>
+              <a:rPr lang="en-US" dirty="0"/>
+              <a:t>': 21.87422618888653, '</a:t>
+            </a:r>
+            <a:r>
+              <a:rPr lang="en-US" dirty="0" err="1"/>
+              <a:t>mse</a:t>
+            </a:r>
+            <a:r>
+              <a:rPr lang="en-US" dirty="0"/>
+              <a:t>': 1617.0868765550244, '</a:t>
+            </a:r>
+            <a:r>
+              <a:rPr lang="en-US" dirty="0" err="1"/>
+              <a:t>mape</a:t>
+            </a:r>
+            <a:r>
+              <a:rPr lang="en-US" dirty="0"/>
+              <a:t>': 0.3732960566832173, '</a:t>
+            </a:r>
+            <a:r>
+              <a:rPr lang="en-US" dirty="0" err="1"/>
+              <a:t>exp_var</a:t>
+            </a:r>
+            <a:r>
+              <a:rPr lang="en-US" dirty="0"/>
+              <a:t>': 0.7296991121519386}</a:t>
+            </a:r>
+          </a:p>
+        </p:txBody>
+      </p:sp>
+      <p:pic>
+        <p:nvPicPr>
+          <p:cNvPr id="5" name="Imagem 4">
+            <a:extLst>
+              <a:ext uri="{FF2B5EF4-FFF2-40B4-BE49-F238E27FC236}">
+                <a16:creationId xmlns:a16="http://schemas.microsoft.com/office/drawing/2014/main" id="{16250525-DA98-2555-3B68-724CBDB8C7A2}"/>
+              </a:ext>
+            </a:extLst>
+          </p:cNvPr>
+          <p:cNvPicPr>
+            <a:picLocks noChangeAspect="1"/>
+          </p:cNvPicPr>
+          <p:nvPr/>
+        </p:nvPicPr>
+        <p:blipFill>
+          <a:blip r:embed="rId2"/>
+          <a:stretch>
+            <a:fillRect/>
+          </a:stretch>
+        </p:blipFill>
+        <p:spPr>
+          <a:xfrm>
+            <a:off x="6420306" y="3763926"/>
+            <a:ext cx="5410962" cy="2715768"/>
+          </a:xfrm>
+          <a:prstGeom prst="rect">
+            <a:avLst/>
+          </a:prstGeom>
+        </p:spPr>
+      </p:pic>
+      <p:pic>
+        <p:nvPicPr>
+          <p:cNvPr id="7" name="Imagem 6">
+            <a:extLst>
+              <a:ext uri="{FF2B5EF4-FFF2-40B4-BE49-F238E27FC236}">
+                <a16:creationId xmlns:a16="http://schemas.microsoft.com/office/drawing/2014/main" id="{0532E7E6-251A-6213-BF7F-DD8EEA126973}"/>
+              </a:ext>
+            </a:extLst>
+          </p:cNvPr>
+          <p:cNvPicPr>
+            <a:picLocks noChangeAspect="1"/>
+          </p:cNvPicPr>
+          <p:nvPr/>
+        </p:nvPicPr>
+        <p:blipFill>
+          <a:blip r:embed="rId3"/>
+          <a:stretch>
+            <a:fillRect/>
+          </a:stretch>
+        </p:blipFill>
+        <p:spPr>
+          <a:xfrm>
+            <a:off x="0" y="159488"/>
+            <a:ext cx="6286500" cy="4114800"/>
+          </a:xfrm>
+          <a:prstGeom prst="rect">
+            <a:avLst/>
+          </a:prstGeom>
+        </p:spPr>
+      </p:pic>
+      <p:sp>
+        <p:nvSpPr>
+          <p:cNvPr id="8" name="CaixaDeTexto 7">
+            <a:extLst>
+              <a:ext uri="{FF2B5EF4-FFF2-40B4-BE49-F238E27FC236}">
+                <a16:creationId xmlns:a16="http://schemas.microsoft.com/office/drawing/2014/main" id="{F66CD164-A428-8052-6481-11860775DADB}"/>
+              </a:ext>
+            </a:extLst>
+          </p:cNvPr>
+          <p:cNvSpPr txBox="1"/>
+          <p:nvPr/>
+        </p:nvSpPr>
+        <p:spPr>
+          <a:xfrm>
+            <a:off x="6719777" y="2126512"/>
+            <a:ext cx="1998921" cy="369332"/>
+          </a:xfrm>
+          <a:prstGeom prst="rect">
+            <a:avLst/>
+          </a:prstGeom>
+          <a:noFill/>
+        </p:spPr>
+        <p:txBody>
           <a:bodyPr wrap="square" rtlCol="0">
             <a:spAutoFit/>
           </a:bodyPr>
           <a:lstStyle/>
           <a:p>
             <a:r>
-              <a:rPr lang="pt-BR" dirty="0" err="1"/>
-              <a:t>Github</a:t>
-            </a:r>
-            <a:r>
               <a:rPr lang="pt-BR" dirty="0"/>
-              <a:t> links </a:t>
-            </a:r>
-            <a:r>
-              <a:rPr lang="pt-BR" dirty="0" err="1"/>
-              <a:t>to</a:t>
-            </a:r>
-            <a:r>
-              <a:rPr lang="pt-BR" dirty="0"/>
-              <a:t> </a:t>
-            </a:r>
-            <a:r>
-              <a:rPr lang="pt-BR" dirty="0" err="1"/>
-              <a:t>view</a:t>
-            </a:r>
-            <a:r>
-              <a:rPr lang="pt-BR" dirty="0"/>
-              <a:t> more data:</a:t>
-            </a:r>
-            <a:br>
-              <a:rPr lang="pt-BR" dirty="0"/>
-            </a:br>
-            <a:r>
-              <a:rPr lang="pt-BR" dirty="0"/>
-              <a:t>https://github.com/larissavaladao/py6s_harmonize_sample/</a:t>
+              <a:t>SVR</a:t>
             </a:r>
             <a:endParaRPr lang="en-US" dirty="0"/>
           </a:p>
         </p:txBody>
       </p:sp>
+    </p:spTree>
+    <p:extLst>
+      <p:ext uri="{BB962C8B-B14F-4D97-AF65-F5344CB8AC3E}">
+        <p14:creationId xmlns:p14="http://schemas.microsoft.com/office/powerpoint/2010/main" val="619022288"/>
+      </p:ext>
+    </p:extLst>
+  </p:cSld>
+  <p:clrMapOvr>
+    <a:masterClrMapping/>
+  </p:clrMapOvr>
+</p:sld>
+</file>
+
+<file path=ppt/slides/slide8.xml><?xml version="1.0" encoding="utf-8"?>
+<p:sld xmlns:a="http://schemas.openxmlformats.org/drawingml/2006/main" xmlns:r="http://schemas.openxmlformats.org/officeDocument/2006/relationships" xmlns:p="http://schemas.openxmlformats.org/presentationml/2006/main">
+  <p:cSld>
+    <p:spTree>
+      <p:nvGrpSpPr>
+        <p:cNvPr id="1" name=""/>
+        <p:cNvGrpSpPr/>
+        <p:nvPr/>
+      </p:nvGrpSpPr>
+      <p:grpSpPr>
+        <a:xfrm>
+          <a:off x="0" y="0"/>
+          <a:ext cx="0" cy="0"/>
+          <a:chOff x="0" y="0"/>
+          <a:chExt cx="0" cy="0"/>
+        </a:xfrm>
+      </p:grpSpPr>
+      <p:pic>
+        <p:nvPicPr>
+          <p:cNvPr id="7" name="Imagem 6">
+            <a:extLst>
+              <a:ext uri="{FF2B5EF4-FFF2-40B4-BE49-F238E27FC236}">
+                <a16:creationId xmlns:a16="http://schemas.microsoft.com/office/drawing/2014/main" id="{0C9AA416-7335-CC7E-7EDD-28160FF62CCD}"/>
+              </a:ext>
+            </a:extLst>
+          </p:cNvPr>
+          <p:cNvPicPr>
+            <a:picLocks noChangeAspect="1"/>
+          </p:cNvPicPr>
+          <p:nvPr/>
+        </p:nvPicPr>
+        <p:blipFill>
+          <a:blip r:embed="rId2"/>
+          <a:stretch>
+            <a:fillRect/>
+          </a:stretch>
+        </p:blipFill>
+        <p:spPr>
+          <a:xfrm>
+            <a:off x="-190500" y="216113"/>
+            <a:ext cx="6286500" cy="4114800"/>
+          </a:xfrm>
+          <a:prstGeom prst="rect">
+            <a:avLst/>
+          </a:prstGeom>
+        </p:spPr>
+      </p:pic>
       <p:sp>
         <p:nvSpPr>
           <p:cNvPr id="3" name="CaixaDeTexto 2">
             <a:extLst>
               <a:ext uri="{FF2B5EF4-FFF2-40B4-BE49-F238E27FC236}">
-                <a16:creationId xmlns:a16="http://schemas.microsoft.com/office/drawing/2014/main" id="{30CCCE81-2EDE-B6D0-3F52-F20BAA676875}"/>
+                <a16:creationId xmlns:a16="http://schemas.microsoft.com/office/drawing/2014/main" id="{39991E5B-BA0E-A6C0-1F63-62C81C4608F8}"/>
               </a:ext>
             </a:extLst>
           </p:cNvPr>
@@ -6349,8 +7148,8 @@
         </p:nvSpPr>
         <p:spPr>
           <a:xfrm>
-            <a:off x="452283" y="2300749"/>
-            <a:ext cx="5132438" cy="646331"/>
+            <a:off x="6096000" y="505898"/>
+            <a:ext cx="6092456" cy="923330"/>
           </a:xfrm>
           <a:prstGeom prst="rect">
             <a:avLst/>
@@ -6358,62 +7157,373 @@
           <a:noFill/>
         </p:spPr>
         <p:txBody>
+          <a:bodyPr wrap="square">
+            <a:spAutoFit/>
+          </a:bodyPr>
+          <a:lstStyle/>
+          <a:p>
+            <a:r>
+              <a:rPr lang="en-US" dirty="0"/>
+              <a:t>CV Metrics:{'r2': 0.6880753044438264, '</a:t>
+            </a:r>
+            <a:r>
+              <a:rPr lang="en-US" dirty="0" err="1"/>
+              <a:t>mae</a:t>
+            </a:r>
+            <a:r>
+              <a:rPr lang="en-US" dirty="0"/>
+              <a:t>': 21.49688050964428, '</a:t>
+            </a:r>
+            <a:r>
+              <a:rPr lang="en-US" dirty="0" err="1"/>
+              <a:t>mse</a:t>
+            </a:r>
+            <a:r>
+              <a:rPr lang="en-US" dirty="0"/>
+              <a:t>': 1712.2022301757004, '</a:t>
+            </a:r>
+            <a:r>
+              <a:rPr lang="en-US" dirty="0" err="1"/>
+              <a:t>mape</a:t>
+            </a:r>
+            <a:r>
+              <a:rPr lang="en-US" dirty="0"/>
+              <a:t>': 0.4466926976345441, '</a:t>
+            </a:r>
+            <a:r>
+              <a:rPr lang="en-US" dirty="0" err="1"/>
+              <a:t>exp_var</a:t>
+            </a:r>
+            <a:r>
+              <a:rPr lang="en-US" dirty="0"/>
+              <a:t>': 0.7073890085589009}</a:t>
+            </a:r>
+          </a:p>
+        </p:txBody>
+      </p:sp>
+      <p:pic>
+        <p:nvPicPr>
+          <p:cNvPr id="5" name="Imagem 4">
+            <a:extLst>
+              <a:ext uri="{FF2B5EF4-FFF2-40B4-BE49-F238E27FC236}">
+                <a16:creationId xmlns:a16="http://schemas.microsoft.com/office/drawing/2014/main" id="{CF28F906-1040-F2EF-5F5F-B7C897C03311}"/>
+              </a:ext>
+            </a:extLst>
+          </p:cNvPr>
+          <p:cNvPicPr>
+            <a:picLocks noChangeAspect="1"/>
+          </p:cNvPicPr>
+          <p:nvPr/>
+        </p:nvPicPr>
+        <p:blipFill>
+          <a:blip r:embed="rId3"/>
+          <a:stretch>
+            <a:fillRect/>
+          </a:stretch>
+        </p:blipFill>
+        <p:spPr>
+          <a:xfrm>
+            <a:off x="5485238" y="3641602"/>
+            <a:ext cx="6444106" cy="3234304"/>
+          </a:xfrm>
+          <a:prstGeom prst="rect">
+            <a:avLst/>
+          </a:prstGeom>
+        </p:spPr>
+      </p:pic>
+      <p:sp>
+        <p:nvSpPr>
+          <p:cNvPr id="8" name="CaixaDeTexto 7">
+            <a:extLst>
+              <a:ext uri="{FF2B5EF4-FFF2-40B4-BE49-F238E27FC236}">
+                <a16:creationId xmlns:a16="http://schemas.microsoft.com/office/drawing/2014/main" id="{62A37E56-05A8-5DCF-85A2-3A9DF894B0AE}"/>
+              </a:ext>
+            </a:extLst>
+          </p:cNvPr>
+          <p:cNvSpPr txBox="1"/>
+          <p:nvPr/>
+        </p:nvSpPr>
+        <p:spPr>
+          <a:xfrm>
+            <a:off x="7017488" y="1828800"/>
+            <a:ext cx="2275368" cy="369332"/>
+          </a:xfrm>
+          <a:prstGeom prst="rect">
+            <a:avLst/>
+          </a:prstGeom>
+          <a:noFill/>
+        </p:spPr>
+        <p:txBody>
           <a:bodyPr wrap="square" rtlCol="0">
             <a:spAutoFit/>
           </a:bodyPr>
           <a:lstStyle/>
           <a:p>
             <a:r>
-              <a:rPr lang="pt-BR" dirty="0" err="1"/>
-              <a:t>Regressions</a:t>
-            </a:r>
-            <a:r>
               <a:rPr lang="pt-BR" dirty="0"/>
-              <a:t> per </a:t>
-            </a:r>
-            <a:r>
-              <a:rPr lang="pt-BR" dirty="0" err="1"/>
-              <a:t>water</a:t>
-            </a:r>
-            <a:r>
-              <a:rPr lang="pt-BR" dirty="0"/>
-              <a:t> </a:t>
-            </a:r>
-            <a:r>
-              <a:rPr lang="pt-BR" dirty="0" err="1"/>
-              <a:t>period</a:t>
-            </a:r>
-            <a:endParaRPr lang="pt-BR" dirty="0"/>
-          </a:p>
-          <a:p>
-            <a:r>
-              <a:rPr lang="pt-BR" dirty="0"/>
-              <a:t>Per </a:t>
-            </a:r>
-            <a:r>
-              <a:rPr lang="pt-BR" dirty="0" err="1"/>
-              <a:t>water</a:t>
-            </a:r>
-            <a:r>
-              <a:rPr lang="pt-BR" dirty="0"/>
-              <a:t> </a:t>
-            </a:r>
-            <a:r>
-              <a:rPr lang="pt-BR" dirty="0" err="1"/>
-              <a:t>period</a:t>
-            </a:r>
-            <a:r>
-              <a:rPr lang="pt-BR" dirty="0"/>
-              <a:t> per band</a:t>
+              <a:t>GBDT</a:t>
             </a:r>
             <a:endParaRPr lang="en-US" dirty="0"/>
           </a:p>
         </p:txBody>
       </p:sp>
+      <p:pic>
+        <p:nvPicPr>
+          <p:cNvPr id="10" name="Imagem 9">
+            <a:extLst>
+              <a:ext uri="{FF2B5EF4-FFF2-40B4-BE49-F238E27FC236}">
+                <a16:creationId xmlns:a16="http://schemas.microsoft.com/office/drawing/2014/main" id="{1557CF0B-0A7A-7931-1A76-068B10800408}"/>
+              </a:ext>
+            </a:extLst>
+          </p:cNvPr>
+          <p:cNvPicPr>
+            <a:picLocks noChangeAspect="1"/>
+          </p:cNvPicPr>
+          <p:nvPr/>
+        </p:nvPicPr>
+        <p:blipFill>
+          <a:blip r:embed="rId4"/>
+          <a:stretch>
+            <a:fillRect/>
+          </a:stretch>
+        </p:blipFill>
+        <p:spPr>
+          <a:xfrm>
+            <a:off x="512690" y="4049377"/>
+            <a:ext cx="2821390" cy="2592510"/>
+          </a:xfrm>
+          <a:prstGeom prst="rect">
+            <a:avLst/>
+          </a:prstGeom>
+        </p:spPr>
+      </p:pic>
     </p:spTree>
     <p:extLst>
       <p:ext uri="{BB962C8B-B14F-4D97-AF65-F5344CB8AC3E}">
-        <p14:creationId xmlns:p14="http://schemas.microsoft.com/office/powerpoint/2010/main" val="1900701455"/>
+        <p14:creationId xmlns:p14="http://schemas.microsoft.com/office/powerpoint/2010/main" val="514743198"/>
+      </p:ext>
+    </p:extLst>
+  </p:cSld>
+  <p:clrMapOvr>
+    <a:masterClrMapping/>
+  </p:clrMapOvr>
+</p:sld>
+</file>
+
+<file path=ppt/slides/slide9.xml><?xml version="1.0" encoding="utf-8"?>
+<p:sld xmlns:a="http://schemas.openxmlformats.org/drawingml/2006/main" xmlns:r="http://schemas.openxmlformats.org/officeDocument/2006/relationships" xmlns:p="http://schemas.openxmlformats.org/presentationml/2006/main">
+  <p:cSld>
+    <p:spTree>
+      <p:nvGrpSpPr>
+        <p:cNvPr id="1" name=""/>
+        <p:cNvGrpSpPr/>
+        <p:nvPr/>
+      </p:nvGrpSpPr>
+      <p:grpSpPr>
+        <a:xfrm>
+          <a:off x="0" y="0"/>
+          <a:ext cx="0" cy="0"/>
+          <a:chOff x="0" y="0"/>
+          <a:chExt cx="0" cy="0"/>
+        </a:xfrm>
+      </p:grpSpPr>
+      <p:sp>
+        <p:nvSpPr>
+          <p:cNvPr id="5" name="CaixaDeTexto 4">
+            <a:extLst>
+              <a:ext uri="{FF2B5EF4-FFF2-40B4-BE49-F238E27FC236}">
+                <a16:creationId xmlns:a16="http://schemas.microsoft.com/office/drawing/2014/main" id="{82FA5231-7EAD-FEF9-84CF-0EA02CE199B4}"/>
+              </a:ext>
+            </a:extLst>
+          </p:cNvPr>
+          <p:cNvSpPr txBox="1"/>
+          <p:nvPr/>
+        </p:nvSpPr>
+        <p:spPr>
+          <a:xfrm>
+            <a:off x="6677246" y="331364"/>
+            <a:ext cx="5056668" cy="1477328"/>
+          </a:xfrm>
+          <a:prstGeom prst="rect">
+            <a:avLst/>
+          </a:prstGeom>
+          <a:noFill/>
+        </p:spPr>
+        <p:txBody>
+          <a:bodyPr wrap="square">
+            <a:spAutoFit/>
+          </a:bodyPr>
+          <a:lstStyle/>
+          <a:p>
+            <a:r>
+              <a:rPr lang="en-US" dirty="0"/>
+              <a:t>CV Metrics:{'r2': 0.7427629283601322, '</a:t>
+            </a:r>
+            <a:r>
+              <a:rPr lang="en-US" dirty="0" err="1"/>
+              <a:t>mae</a:t>
+            </a:r>
+            <a:r>
+              <a:rPr lang="en-US" dirty="0"/>
+              <a:t>': 21.70488302453932, '</a:t>
+            </a:r>
+            <a:r>
+              <a:rPr lang="en-US" dirty="0" err="1"/>
+              <a:t>mse</a:t>
+            </a:r>
+            <a:r>
+              <a:rPr lang="en-US" dirty="0"/>
+              <a:t>': 1441.4981086375294, '</a:t>
+            </a:r>
+            <a:r>
+              <a:rPr lang="en-US" dirty="0" err="1"/>
+              <a:t>mape</a:t>
+            </a:r>
+            <a:r>
+              <a:rPr lang="en-US" dirty="0"/>
+              <a:t>': 0.487806367547315, '</a:t>
+            </a:r>
+            <a:r>
+              <a:rPr lang="en-US" dirty="0" err="1"/>
+              <a:t>exp_var</a:t>
+            </a:r>
+            <a:r>
+              <a:rPr lang="en-US" dirty="0"/>
+              <a:t>': 0.7483816367203783}</a:t>
+            </a:r>
+          </a:p>
+        </p:txBody>
+      </p:sp>
+      <p:pic>
+        <p:nvPicPr>
+          <p:cNvPr id="7" name="Imagem 6">
+            <a:extLst>
+              <a:ext uri="{FF2B5EF4-FFF2-40B4-BE49-F238E27FC236}">
+                <a16:creationId xmlns:a16="http://schemas.microsoft.com/office/drawing/2014/main" id="{4C3734E4-A0E8-DA61-FD0F-A71F087482D3}"/>
+              </a:ext>
+            </a:extLst>
+          </p:cNvPr>
+          <p:cNvPicPr>
+            <a:picLocks noChangeAspect="1"/>
+          </p:cNvPicPr>
+          <p:nvPr/>
+        </p:nvPicPr>
+        <p:blipFill>
+          <a:blip r:embed="rId2"/>
+          <a:stretch>
+            <a:fillRect/>
+          </a:stretch>
+        </p:blipFill>
+        <p:spPr>
+          <a:xfrm>
+            <a:off x="5741581" y="3697785"/>
+            <a:ext cx="6450419" cy="3237473"/>
+          </a:xfrm>
+          <a:prstGeom prst="rect">
+            <a:avLst/>
+          </a:prstGeom>
+        </p:spPr>
+      </p:pic>
+      <p:pic>
+        <p:nvPicPr>
+          <p:cNvPr id="9" name="Imagem 8">
+            <a:extLst>
+              <a:ext uri="{FF2B5EF4-FFF2-40B4-BE49-F238E27FC236}">
+                <a16:creationId xmlns:a16="http://schemas.microsoft.com/office/drawing/2014/main" id="{C2A55C93-021B-C6FB-5DC0-E2652DCAAD26}"/>
+              </a:ext>
+            </a:extLst>
+          </p:cNvPr>
+          <p:cNvPicPr>
+            <a:picLocks noChangeAspect="1"/>
+          </p:cNvPicPr>
+          <p:nvPr/>
+        </p:nvPicPr>
+        <p:blipFill>
+          <a:blip r:embed="rId3"/>
+          <a:stretch>
+            <a:fillRect/>
+          </a:stretch>
+        </p:blipFill>
+        <p:spPr>
+          <a:xfrm>
+            <a:off x="14177" y="52259"/>
+            <a:ext cx="6286500" cy="4114800"/>
+          </a:xfrm>
+          <a:prstGeom prst="rect">
+            <a:avLst/>
+          </a:prstGeom>
+        </p:spPr>
+      </p:pic>
+      <p:pic>
+        <p:nvPicPr>
+          <p:cNvPr id="11" name="Imagem 10">
+            <a:extLst>
+              <a:ext uri="{FF2B5EF4-FFF2-40B4-BE49-F238E27FC236}">
+                <a16:creationId xmlns:a16="http://schemas.microsoft.com/office/drawing/2014/main" id="{696EE227-BBCF-0141-A344-A719DCE4D28B}"/>
+              </a:ext>
+            </a:extLst>
+          </p:cNvPr>
+          <p:cNvPicPr>
+            <a:picLocks noChangeAspect="1"/>
+          </p:cNvPicPr>
+          <p:nvPr/>
+        </p:nvPicPr>
+        <p:blipFill>
+          <a:blip r:embed="rId4"/>
+          <a:stretch>
+            <a:fillRect/>
+          </a:stretch>
+        </p:blipFill>
+        <p:spPr>
+          <a:xfrm>
+            <a:off x="363833" y="3932422"/>
+            <a:ext cx="3523294" cy="3237473"/>
+          </a:xfrm>
+          <a:prstGeom prst="rect">
+            <a:avLst/>
+          </a:prstGeom>
+        </p:spPr>
+      </p:pic>
+      <p:sp>
+        <p:nvSpPr>
+          <p:cNvPr id="12" name="CaixaDeTexto 11">
+            <a:extLst>
+              <a:ext uri="{FF2B5EF4-FFF2-40B4-BE49-F238E27FC236}">
+                <a16:creationId xmlns:a16="http://schemas.microsoft.com/office/drawing/2014/main" id="{FC60EB23-ED77-DAAF-6D8C-6E7DF9EA35B0}"/>
+              </a:ext>
+            </a:extLst>
+          </p:cNvPr>
+          <p:cNvSpPr txBox="1"/>
+          <p:nvPr/>
+        </p:nvSpPr>
+        <p:spPr>
+          <a:xfrm>
+            <a:off x="7017488" y="2109659"/>
+            <a:ext cx="1509824" cy="369332"/>
+          </a:xfrm>
+          <a:prstGeom prst="rect">
+            <a:avLst/>
+          </a:prstGeom>
+          <a:noFill/>
+        </p:spPr>
+        <p:txBody>
+          <a:bodyPr wrap="square" rtlCol="0">
+            <a:spAutoFit/>
+          </a:bodyPr>
+          <a:lstStyle/>
+          <a:p>
+            <a:r>
+              <a:rPr lang="pt-BR" dirty="0"/>
+              <a:t>RF</a:t>
+            </a:r>
+            <a:endParaRPr lang="en-US" dirty="0"/>
+          </a:p>
+        </p:txBody>
+      </p:sp>
+    </p:spTree>
+    <p:extLst>
+      <p:ext uri="{BB962C8B-B14F-4D97-AF65-F5344CB8AC3E}">
+        <p14:creationId xmlns:p14="http://schemas.microsoft.com/office/powerpoint/2010/main" val="2693919469"/>
       </p:ext>
     </p:extLst>
   </p:cSld>
